--- a/Data_Mining_Assignment.pptx
+++ b/Data_Mining_Assignment.pptx
@@ -105,6 +105,11 @@
       </a:defRPr>
     </a:lvl9pPr>
   </p:defaultTextStyle>
+  <p:extLst>
+    <p:ext uri="{EFAFB233-063F-42B5-8137-9DF3F51BA10A}">
+      <p15:sldGuideLst xmlns:p15="http://schemas.microsoft.com/office/powerpoint/2012/main"/>
+    </p:ext>
+  </p:extLst>
 </p:presentation>
 </file>
 
@@ -13399,18 +13404,17 @@
           <a:p>
             <a:r>
               <a:rPr lang="en-US" dirty="0"/>
-              <a:t>Due to heavy workload these delivery personnel are not able to perform their optimum limits, which results into their absenteeism from the work, which in turn increases the load on the other </a:t>
+              <a:t>Due to heavy workload these delivery personnel are not able to perform their optimum limits, which results into their absenteeism from the work, which in turn increases the load on the other delivery personnel.</a:t>
+            </a:r>
+          </a:p>
+          <a:p>
+            <a:r>
+              <a:rPr lang="en-US"/>
+              <a:t>As </a:t>
             </a:r>
             <a:r>
-              <a:rPr lang="en-US"/>
-              <a:t>delivery personnel.</a:t>
-            </a:r>
-            <a:endParaRPr lang="en-US" dirty="0"/>
-          </a:p>
-          <a:p>
-            <a:r>
               <a:rPr lang="en-US" dirty="0"/>
-              <a:t>As an emerging data Analysts we have been appointed to Identify the factors causing the absenteeism at work</a:t>
+              <a:t>emerging data Analysts we have been appointed to Identify the factors causing the absenteeism at work</a:t>
             </a:r>
             <a:r>
               <a:rPr lang="en-IN" dirty="0"/>
